--- a/AI PPT.pptx
+++ b/AI PPT.pptx
@@ -5,7 +5,7 @@
     <p:sldMasterId id="2147483660" r:id="rId1"/>
   </p:sldMasterIdLst>
   <p:notesMasterIdLst>
-    <p:notesMasterId r:id="rId11"/>
+    <p:notesMasterId r:id="rId15"/>
   </p:notesMasterIdLst>
   <p:sldIdLst>
     <p:sldId id="256" r:id="rId2"/>
@@ -15,30 +15,34 @@
     <p:sldId id="263" r:id="rId6"/>
     <p:sldId id="264" r:id="rId7"/>
     <p:sldId id="265" r:id="rId8"/>
-    <p:sldId id="267" r:id="rId9"/>
-    <p:sldId id="268" r:id="rId10"/>
+    <p:sldId id="269" r:id="rId9"/>
+    <p:sldId id="270" r:id="rId10"/>
+    <p:sldId id="271" r:id="rId11"/>
+    <p:sldId id="272" r:id="rId12"/>
+    <p:sldId id="267" r:id="rId13"/>
+    <p:sldId id="268" r:id="rId14"/>
   </p:sldIdLst>
   <p:sldSz cx="9144000" cy="5143500" type="screen16x9"/>
   <p:notesSz cx="6858000" cy="9144000"/>
   <p:embeddedFontLst>
     <p:embeddedFont>
       <p:font typeface="Fira Sans Condensed" panose="020B0503050000020004" pitchFamily="34" charset="0"/>
-      <p:regular r:id="rId12"/>
-      <p:bold r:id="rId13"/>
-      <p:italic r:id="rId14"/>
-      <p:boldItalic r:id="rId15"/>
-    </p:embeddedFont>
-    <p:embeddedFont>
-      <p:font typeface="Fira Sans Condensed Light" panose="020B0403050000020004" pitchFamily="34" charset="0"/>
       <p:regular r:id="rId16"/>
       <p:bold r:id="rId17"/>
       <p:italic r:id="rId18"/>
       <p:boldItalic r:id="rId19"/>
     </p:embeddedFont>
     <p:embeddedFont>
-      <p:font typeface="Rajdhani" panose="020B0604020202020204" charset="0"/>
+      <p:font typeface="Fira Sans Condensed Light" panose="020B0403050000020004" pitchFamily="34" charset="0"/>
       <p:regular r:id="rId20"/>
       <p:bold r:id="rId21"/>
+      <p:italic r:id="rId22"/>
+      <p:boldItalic r:id="rId23"/>
+    </p:embeddedFont>
+    <p:embeddedFont>
+      <p:font typeface="Rajdhani" panose="020B0604020202020204" charset="0"/>
+      <p:regular r:id="rId24"/>
+      <p:bold r:id="rId25"/>
     </p:embeddedFont>
   </p:embeddedFontLst>
   <p:defaultTextStyle>
@@ -6340,6 +6344,517 @@
 </p:sld>
 </file>
 
+<file path=ppt/slides/slide10.xml><?xml version="1.0" encoding="utf-8"?>
+<p:sld xmlns:a="http://schemas.openxmlformats.org/drawingml/2006/main" xmlns:r="http://schemas.openxmlformats.org/officeDocument/2006/relationships" xmlns:p="http://schemas.openxmlformats.org/presentationml/2006/main">
+  <p:cSld>
+    <p:spTree>
+      <p:nvGrpSpPr>
+        <p:cNvPr id="1" name=""/>
+        <p:cNvGrpSpPr/>
+        <p:nvPr/>
+      </p:nvGrpSpPr>
+      <p:grpSpPr>
+        <a:xfrm>
+          <a:off x="0" y="0"/>
+          <a:ext cx="0" cy="0"/>
+          <a:chOff x="0" y="0"/>
+          <a:chExt cx="0" cy="0"/>
+        </a:xfrm>
+      </p:grpSpPr>
+      <p:sp>
+        <p:nvSpPr>
+          <p:cNvPr id="2" name="Title 1">
+            <a:extLst>
+              <a:ext uri="{FF2B5EF4-FFF2-40B4-BE49-F238E27FC236}">
+                <a16:creationId xmlns:a16="http://schemas.microsoft.com/office/drawing/2014/main" id="{587940DE-90C1-FB6B-D0DD-38057044E64F}"/>
+              </a:ext>
+            </a:extLst>
+          </p:cNvPr>
+          <p:cNvSpPr>
+            <a:spLocks noGrp="1"/>
+          </p:cNvSpPr>
+          <p:nvPr>
+            <p:ph type="title"/>
+          </p:nvPr>
+        </p:nvSpPr>
+        <p:spPr/>
+        <p:txBody>
+          <a:bodyPr/>
+          <a:lstStyle/>
+          <a:p>
+            <a:r>
+              <a:rPr lang="en-US" dirty="0"/>
+              <a:t>ETHICAL &amp; SOCIAL IMPLICATIONS</a:t>
+            </a:r>
+            <a:endParaRPr lang="en-IN" dirty="0"/>
+          </a:p>
+        </p:txBody>
+      </p:sp>
+      <p:sp>
+        <p:nvSpPr>
+          <p:cNvPr id="3" name="TextBox 2">
+            <a:extLst>
+              <a:ext uri="{FF2B5EF4-FFF2-40B4-BE49-F238E27FC236}">
+                <a16:creationId xmlns:a16="http://schemas.microsoft.com/office/drawing/2014/main" id="{3FA6B8A4-6C90-9DEB-E360-38882C48E84A}"/>
+              </a:ext>
+            </a:extLst>
+          </p:cNvPr>
+          <p:cNvSpPr txBox="1"/>
+          <p:nvPr/>
+        </p:nvSpPr>
+        <p:spPr>
+          <a:xfrm>
+            <a:off x="223024" y="1427356"/>
+            <a:ext cx="6348761" cy="2638992"/>
+          </a:xfrm>
+          <a:prstGeom prst="rect">
+            <a:avLst/>
+          </a:prstGeom>
+          <a:noFill/>
+        </p:spPr>
+        <p:txBody>
+          <a:bodyPr wrap="square" rtlCol="0">
+            <a:spAutoFit/>
+          </a:bodyPr>
+          <a:lstStyle/>
+          <a:p>
+            <a:pPr>
+              <a:lnSpc>
+                <a:spcPct val="150000"/>
+              </a:lnSpc>
+            </a:pPr>
+            <a:r>
+              <a:rPr lang="en-US" dirty="0">
+                <a:solidFill>
+                  <a:schemeClr val="tx2"/>
+                </a:solidFill>
+                <a:latin typeface="Times New Roman" panose="02020603050405020304" pitchFamily="18" charset="0"/>
+                <a:cs typeface="Times New Roman" panose="02020603050405020304" pitchFamily="18" charset="0"/>
+              </a:rPr>
+              <a:t>Fairness is a key ethical concern when it comes to AI in sports. The use of AI technologies can potentially </a:t>
+            </a:r>
+            <a:r>
+              <a:rPr lang="en-US" dirty="0" err="1">
+                <a:solidFill>
+                  <a:schemeClr val="tx2"/>
+                </a:solidFill>
+                <a:latin typeface="Times New Roman" panose="02020603050405020304" pitchFamily="18" charset="0"/>
+                <a:cs typeface="Times New Roman" panose="02020603050405020304" pitchFamily="18" charset="0"/>
+              </a:rPr>
+              <a:t>favour</a:t>
+            </a:r>
+            <a:r>
+              <a:rPr lang="en-US" dirty="0">
+                <a:solidFill>
+                  <a:schemeClr val="tx2"/>
+                </a:solidFill>
+                <a:latin typeface="Times New Roman" panose="02020603050405020304" pitchFamily="18" charset="0"/>
+                <a:cs typeface="Times New Roman" panose="02020603050405020304" pitchFamily="18" charset="0"/>
+              </a:rPr>
+              <a:t> certain athletes over others, giving them an </a:t>
+            </a:r>
+          </a:p>
+          <a:p>
+            <a:pPr>
+              <a:lnSpc>
+                <a:spcPct val="150000"/>
+              </a:lnSpc>
+            </a:pPr>
+            <a:r>
+              <a:rPr lang="en-US" dirty="0">
+                <a:solidFill>
+                  <a:schemeClr val="tx2"/>
+                </a:solidFill>
+                <a:latin typeface="Times New Roman" panose="02020603050405020304" pitchFamily="18" charset="0"/>
+                <a:cs typeface="Times New Roman" panose="02020603050405020304" pitchFamily="18" charset="0"/>
+              </a:rPr>
+              <a:t>unfair advantage.AI can be used to identify the flaws of rival athletes and devise winning strategies, further contributing to the unfairness of the competition.</a:t>
+            </a:r>
+          </a:p>
+          <a:p>
+            <a:pPr>
+              <a:lnSpc>
+                <a:spcPct val="150000"/>
+              </a:lnSpc>
+            </a:pPr>
+            <a:r>
+              <a:rPr lang="en-US" dirty="0">
+                <a:solidFill>
+                  <a:schemeClr val="tx2"/>
+                </a:solidFill>
+                <a:latin typeface="Times New Roman" panose="02020603050405020304" pitchFamily="18" charset="0"/>
+                <a:cs typeface="Times New Roman" panose="02020603050405020304" pitchFamily="18" charset="0"/>
+              </a:rPr>
+              <a:t>The use of AI to decide who is eligible to compete can lead to arbitrary elimination of athletes from contests, creating further ethical </a:t>
+            </a:r>
+            <a:r>
+              <a:rPr lang="en-US" dirty="0" err="1">
+                <a:solidFill>
+                  <a:schemeClr val="tx2"/>
+                </a:solidFill>
+                <a:latin typeface="Times New Roman" panose="02020603050405020304" pitchFamily="18" charset="0"/>
+                <a:cs typeface="Times New Roman" panose="02020603050405020304" pitchFamily="18" charset="0"/>
+              </a:rPr>
+              <a:t>concerns.As</a:t>
+            </a:r>
+            <a:r>
+              <a:rPr lang="en-US" dirty="0">
+                <a:solidFill>
+                  <a:schemeClr val="tx2"/>
+                </a:solidFill>
+                <a:latin typeface="Times New Roman" panose="02020603050405020304" pitchFamily="18" charset="0"/>
+                <a:cs typeface="Times New Roman" panose="02020603050405020304" pitchFamily="18" charset="0"/>
+              </a:rPr>
+              <a:t> AI continues to develop and become more prominent in the sports industry, it is important to address these legal and ethical issues to ensure a fair and equitable playing field for all athletes.</a:t>
+            </a:r>
+            <a:endParaRPr lang="en-IN" dirty="0">
+              <a:solidFill>
+                <a:schemeClr val="tx2"/>
+              </a:solidFill>
+              <a:latin typeface="Times New Roman" panose="02020603050405020304" pitchFamily="18" charset="0"/>
+              <a:cs typeface="Times New Roman" panose="02020603050405020304" pitchFamily="18" charset="0"/>
+            </a:endParaRPr>
+          </a:p>
+        </p:txBody>
+      </p:sp>
+    </p:spTree>
+    <p:extLst>
+      <p:ext uri="{BB962C8B-B14F-4D97-AF65-F5344CB8AC3E}">
+        <p14:creationId xmlns:p14="http://schemas.microsoft.com/office/powerpoint/2010/main" val="2514083434"/>
+      </p:ext>
+    </p:extLst>
+  </p:cSld>
+  <p:clrMapOvr>
+    <a:masterClrMapping/>
+  </p:clrMapOvr>
+</p:sld>
+</file>
+
+<file path=ppt/slides/slide11.xml><?xml version="1.0" encoding="utf-8"?>
+<p:sld xmlns:a="http://schemas.openxmlformats.org/drawingml/2006/main" xmlns:r="http://schemas.openxmlformats.org/officeDocument/2006/relationships" xmlns:p="http://schemas.openxmlformats.org/presentationml/2006/main">
+  <p:cSld>
+    <p:spTree>
+      <p:nvGrpSpPr>
+        <p:cNvPr id="1" name=""/>
+        <p:cNvGrpSpPr/>
+        <p:nvPr/>
+      </p:nvGrpSpPr>
+      <p:grpSpPr>
+        <a:xfrm>
+          <a:off x="0" y="0"/>
+          <a:ext cx="0" cy="0"/>
+          <a:chOff x="0" y="0"/>
+          <a:chExt cx="0" cy="0"/>
+        </a:xfrm>
+      </p:grpSpPr>
+      <p:sp>
+        <p:nvSpPr>
+          <p:cNvPr id="2" name="Title 1">
+            <a:extLst>
+              <a:ext uri="{FF2B5EF4-FFF2-40B4-BE49-F238E27FC236}">
+                <a16:creationId xmlns:a16="http://schemas.microsoft.com/office/drawing/2014/main" id="{FBA83FEA-4A07-74F9-A68B-B57C7AC50CB9}"/>
+              </a:ext>
+            </a:extLst>
+          </p:cNvPr>
+          <p:cNvSpPr>
+            <a:spLocks noGrp="1"/>
+          </p:cNvSpPr>
+          <p:nvPr>
+            <p:ph type="title"/>
+          </p:nvPr>
+        </p:nvSpPr>
+        <p:spPr/>
+        <p:txBody>
+          <a:bodyPr/>
+          <a:lstStyle/>
+          <a:p>
+            <a:r>
+              <a:rPr lang="en-US" dirty="0"/>
+              <a:t>ROLE OF AI IN ENTERTAINMENT &amp; MEDIA</a:t>
+            </a:r>
+            <a:endParaRPr lang="en-IN" dirty="0"/>
+          </a:p>
+        </p:txBody>
+      </p:sp>
+      <p:sp>
+        <p:nvSpPr>
+          <p:cNvPr id="3" name="TextBox 2">
+            <a:extLst>
+              <a:ext uri="{FF2B5EF4-FFF2-40B4-BE49-F238E27FC236}">
+                <a16:creationId xmlns:a16="http://schemas.microsoft.com/office/drawing/2014/main" id="{32471DA4-DFA1-A6C6-BC9C-20F110468D38}"/>
+              </a:ext>
+            </a:extLst>
+          </p:cNvPr>
+          <p:cNvSpPr txBox="1"/>
+          <p:nvPr/>
+        </p:nvSpPr>
+        <p:spPr>
+          <a:xfrm>
+            <a:off x="267629" y="1256371"/>
+            <a:ext cx="8749991" cy="1992661"/>
+          </a:xfrm>
+          <a:prstGeom prst="rect">
+            <a:avLst/>
+          </a:prstGeom>
+          <a:noFill/>
+        </p:spPr>
+        <p:txBody>
+          <a:bodyPr wrap="square" rtlCol="0">
+            <a:spAutoFit/>
+          </a:bodyPr>
+          <a:lstStyle/>
+          <a:p>
+            <a:pPr>
+              <a:lnSpc>
+                <a:spcPct val="150000"/>
+              </a:lnSpc>
+            </a:pPr>
+            <a:r>
+              <a:rPr lang="en-US" dirty="0">
+                <a:solidFill>
+                  <a:schemeClr val="tx2"/>
+                </a:solidFill>
+                <a:latin typeface="Times New Roman" panose="02020603050405020304" pitchFamily="18" charset="0"/>
+                <a:cs typeface="Times New Roman" panose="02020603050405020304" pitchFamily="18" charset="0"/>
+              </a:rPr>
+              <a:t>Artificial intelligence is increasingly being used in sports media, extending beyond traditional television broadcasting to social media platforms such as Instagram, Facebook, Twitter, and </a:t>
+            </a:r>
+            <a:r>
+              <a:rPr lang="en-US" dirty="0" err="1">
+                <a:solidFill>
+                  <a:schemeClr val="tx2"/>
+                </a:solidFill>
+                <a:latin typeface="Times New Roman" panose="02020603050405020304" pitchFamily="18" charset="0"/>
+                <a:cs typeface="Times New Roman" panose="02020603050405020304" pitchFamily="18" charset="0"/>
+              </a:rPr>
+              <a:t>Reddit.Social</a:t>
+            </a:r>
+            <a:r>
+              <a:rPr lang="en-US" dirty="0">
+                <a:solidFill>
+                  <a:schemeClr val="tx2"/>
+                </a:solidFill>
+                <a:latin typeface="Times New Roman" panose="02020603050405020304" pitchFamily="18" charset="0"/>
+                <a:cs typeface="Times New Roman" panose="02020603050405020304" pitchFamily="18" charset="0"/>
+              </a:rPr>
+              <a:t> media platforms are also being used to broadcast streaming highlights after games, providing viewers with an opportunity to catch up on crucial moments. AMAs (Ask Me Anything) and polls hosted on social media after games present an opportunity for interaction between fans and sports clubs. With the advancement of artificial intelligence and virtual reality, sports media technologies are expected to further evolve, providing even more immersive and engaging experiences for viewers.</a:t>
+            </a:r>
+            <a:endParaRPr lang="en-IN" dirty="0">
+              <a:solidFill>
+                <a:schemeClr val="tx2"/>
+              </a:solidFill>
+              <a:latin typeface="Times New Roman" panose="02020603050405020304" pitchFamily="18" charset="0"/>
+              <a:cs typeface="Times New Roman" panose="02020603050405020304" pitchFamily="18" charset="0"/>
+            </a:endParaRPr>
+          </a:p>
+        </p:txBody>
+      </p:sp>
+    </p:spTree>
+    <p:extLst>
+      <p:ext uri="{BB962C8B-B14F-4D97-AF65-F5344CB8AC3E}">
+        <p14:creationId xmlns:p14="http://schemas.microsoft.com/office/powerpoint/2010/main" val="1560829035"/>
+      </p:ext>
+    </p:extLst>
+  </p:cSld>
+  <p:clrMapOvr>
+    <a:masterClrMapping/>
+  </p:clrMapOvr>
+</p:sld>
+</file>
+
+<file path=ppt/slides/slide12.xml><?xml version="1.0" encoding="utf-8"?>
+<p:sld xmlns:a="http://schemas.openxmlformats.org/drawingml/2006/main" xmlns:r="http://schemas.openxmlformats.org/officeDocument/2006/relationships" xmlns:p="http://schemas.openxmlformats.org/presentationml/2006/main">
+  <p:cSld>
+    <p:spTree>
+      <p:nvGrpSpPr>
+        <p:cNvPr id="1" name="Shape 493"/>
+        <p:cNvGrpSpPr/>
+        <p:nvPr/>
+      </p:nvGrpSpPr>
+      <p:grpSpPr>
+        <a:xfrm>
+          <a:off x="0" y="0"/>
+          <a:ext cx="0" cy="0"/>
+          <a:chOff x="0" y="0"/>
+          <a:chExt cx="0" cy="0"/>
+        </a:xfrm>
+      </p:grpSpPr>
+      <p:sp>
+        <p:nvSpPr>
+          <p:cNvPr id="2" name="Title 1">
+            <a:extLst>
+              <a:ext uri="{FF2B5EF4-FFF2-40B4-BE49-F238E27FC236}">
+                <a16:creationId xmlns:a16="http://schemas.microsoft.com/office/drawing/2014/main" id="{2B9E02DD-72D0-E80E-9885-B206F7D5B811}"/>
+              </a:ext>
+            </a:extLst>
+          </p:cNvPr>
+          <p:cNvSpPr>
+            <a:spLocks noGrp="1"/>
+          </p:cNvSpPr>
+          <p:nvPr>
+            <p:ph type="title"/>
+          </p:nvPr>
+        </p:nvSpPr>
+        <p:spPr/>
+        <p:txBody>
+          <a:bodyPr/>
+          <a:lstStyle/>
+          <a:p>
+            <a:r>
+              <a:rPr lang="en-US" dirty="0"/>
+              <a:t>CONCLUSION</a:t>
+            </a:r>
+            <a:endParaRPr lang="en-IN" dirty="0"/>
+          </a:p>
+        </p:txBody>
+      </p:sp>
+      <p:sp>
+        <p:nvSpPr>
+          <p:cNvPr id="3" name="TextBox 2">
+            <a:extLst>
+              <a:ext uri="{FF2B5EF4-FFF2-40B4-BE49-F238E27FC236}">
+                <a16:creationId xmlns:a16="http://schemas.microsoft.com/office/drawing/2014/main" id="{570BEF57-450F-BB3E-402A-E80E1392A372}"/>
+              </a:ext>
+            </a:extLst>
+          </p:cNvPr>
+          <p:cNvSpPr txBox="1"/>
+          <p:nvPr/>
+        </p:nvSpPr>
+        <p:spPr>
+          <a:xfrm>
+            <a:off x="394010" y="1434790"/>
+            <a:ext cx="8430322" cy="2962158"/>
+          </a:xfrm>
+          <a:prstGeom prst="rect">
+            <a:avLst/>
+          </a:prstGeom>
+          <a:noFill/>
+        </p:spPr>
+        <p:txBody>
+          <a:bodyPr wrap="square" rtlCol="0">
+            <a:spAutoFit/>
+          </a:bodyPr>
+          <a:lstStyle/>
+          <a:p>
+            <a:pPr>
+              <a:lnSpc>
+                <a:spcPct val="150000"/>
+              </a:lnSpc>
+            </a:pPr>
+            <a:r>
+              <a:rPr lang="en-US" dirty="0">
+                <a:solidFill>
+                  <a:schemeClr val="tx2"/>
+                </a:solidFill>
+                <a:latin typeface="Times New Roman" panose="02020603050405020304" pitchFamily="18" charset="0"/>
+                <a:cs typeface="Times New Roman" panose="02020603050405020304" pitchFamily="18" charset="0"/>
+              </a:rPr>
+              <a:t>AI provides countless options, and newer systems are constantly being developed, which can increase the variety of data processing options. With the advancement of artificial intelligence (AI), humans are now better able to predict the future than in the past. Because of the ability to digest information more quickly, we may now take on challenging tasks and study data from a variety of perspectives.</a:t>
+            </a:r>
+          </a:p>
+          <a:p>
+            <a:pPr>
+              <a:lnSpc>
+                <a:spcPct val="150000"/>
+              </a:lnSpc>
+            </a:pPr>
+            <a:r>
+              <a:rPr lang="en-IN" dirty="0">
+                <a:solidFill>
+                  <a:schemeClr val="tx2"/>
+                </a:solidFill>
+                <a:latin typeface="Times New Roman" panose="02020603050405020304" pitchFamily="18" charset="0"/>
+                <a:cs typeface="Times New Roman" panose="02020603050405020304" pitchFamily="18" charset="0"/>
+              </a:rPr>
+              <a:t>AI technologies are evolving fast and growing increasingly critical for a sporting organisation’s ability to win games; improve coaches and players; manage their operations and grow. However, unless sporting organisations plan, deploy, and govern it correctly, new AI technology will provide meagre benefits at best or, at worst, result in unexpected and undesired outcomes. AI can be helpful for us but in a completely unexpected way because even we cannot pretend what future AI will show us.</a:t>
+            </a:r>
+          </a:p>
+        </p:txBody>
+      </p:sp>
+    </p:spTree>
+  </p:cSld>
+  <p:clrMapOvr>
+    <a:masterClrMapping/>
+  </p:clrMapOvr>
+</p:sld>
+</file>
+
+<file path=ppt/slides/slide13.xml><?xml version="1.0" encoding="utf-8"?>
+<p:sld xmlns:a="http://schemas.openxmlformats.org/drawingml/2006/main" xmlns:r="http://schemas.openxmlformats.org/officeDocument/2006/relationships" xmlns:p="http://schemas.openxmlformats.org/presentationml/2006/main">
+  <p:cSld>
+    <p:spTree>
+      <p:nvGrpSpPr>
+        <p:cNvPr id="1" name=""/>
+        <p:cNvGrpSpPr/>
+        <p:nvPr/>
+      </p:nvGrpSpPr>
+      <p:grpSpPr>
+        <a:xfrm>
+          <a:off x="0" y="0"/>
+          <a:ext cx="0" cy="0"/>
+          <a:chOff x="0" y="0"/>
+          <a:chExt cx="0" cy="0"/>
+        </a:xfrm>
+      </p:grpSpPr>
+      <p:sp>
+        <p:nvSpPr>
+          <p:cNvPr id="2" name="Title 1">
+            <a:extLst>
+              <a:ext uri="{FF2B5EF4-FFF2-40B4-BE49-F238E27FC236}">
+                <a16:creationId xmlns:a16="http://schemas.microsoft.com/office/drawing/2014/main" id="{D1B57CAD-8815-86E7-B509-363441E15729}"/>
+              </a:ext>
+            </a:extLst>
+          </p:cNvPr>
+          <p:cNvSpPr>
+            <a:spLocks noGrp="1"/>
+          </p:cNvSpPr>
+          <p:nvPr>
+            <p:ph type="title"/>
+          </p:nvPr>
+        </p:nvSpPr>
+        <p:spPr>
+          <a:xfrm>
+            <a:off x="720000" y="148682"/>
+            <a:ext cx="7704000" cy="4323751"/>
+          </a:xfrm>
+        </p:spPr>
+        <p:txBody>
+          <a:bodyPr/>
+          <a:lstStyle/>
+          <a:p>
+            <a:br>
+              <a:rPr lang="en-US" dirty="0"/>
+            </a:br>
+            <a:br>
+              <a:rPr lang="en-US" dirty="0"/>
+            </a:br>
+            <a:br>
+              <a:rPr lang="en-US" dirty="0"/>
+            </a:br>
+            <a:br>
+              <a:rPr lang="en-US" dirty="0"/>
+            </a:br>
+            <a:r>
+              <a:rPr lang="en-US" dirty="0"/>
+              <a:t>THANKYOU</a:t>
+            </a:r>
+            <a:endParaRPr lang="en-IN" dirty="0"/>
+          </a:p>
+        </p:txBody>
+      </p:sp>
+    </p:spTree>
+    <p:extLst>
+      <p:ext uri="{BB962C8B-B14F-4D97-AF65-F5344CB8AC3E}">
+        <p14:creationId xmlns:p14="http://schemas.microsoft.com/office/powerpoint/2010/main" val="1154533858"/>
+      </p:ext>
+    </p:extLst>
+  </p:cSld>
+  <p:clrMapOvr>
+    <a:masterClrMapping/>
+  </p:clrMapOvr>
+</p:sld>
+</file>
+
 <file path=ppt/slides/slide2.xml><?xml version="1.0" encoding="utf-8"?>
 <p:sld xmlns:a="http://schemas.openxmlformats.org/drawingml/2006/main" xmlns:r="http://schemas.openxmlformats.org/officeDocument/2006/relationships" xmlns:p="http://schemas.openxmlformats.org/presentationml/2006/main">
   <p:cSld>
@@ -12723,7 +13238,7 @@
   <p:cSld>
     <p:spTree>
       <p:nvGrpSpPr>
-        <p:cNvPr id="1" name="Shape 493"/>
+        <p:cNvPr id="1" name=""/>
         <p:cNvGrpSpPr/>
         <p:nvPr/>
       </p:nvGrpSpPr>
@@ -12740,7 +13255,7 @@
           <p:cNvPr id="2" name="Title 1">
             <a:extLst>
               <a:ext uri="{FF2B5EF4-FFF2-40B4-BE49-F238E27FC236}">
-                <a16:creationId xmlns:a16="http://schemas.microsoft.com/office/drawing/2014/main" id="{2B9E02DD-72D0-E80E-9885-B206F7D5B811}"/>
+                <a16:creationId xmlns:a16="http://schemas.microsoft.com/office/drawing/2014/main" id="{4CA07556-2485-CEC2-EC4E-F1DB056606DC}"/>
               </a:ext>
             </a:extLst>
           </p:cNvPr>
@@ -12757,10 +13272,9 @@
           <a:lstStyle/>
           <a:p>
             <a:r>
-              <a:rPr lang="en-US" dirty="0"/>
-              <a:t>CONCLUSION</a:t>
+              <a:rPr lang="en-IN" dirty="0"/>
+              <a:t>AI WORKOUTS &amp; PLAYER ANALYSIS</a:t>
             </a:r>
-            <a:endParaRPr lang="en-IN" dirty="0"/>
           </a:p>
         </p:txBody>
       </p:sp>
@@ -12769,7 +13283,7 @@
           <p:cNvPr id="3" name="TextBox 2">
             <a:extLst>
               <a:ext uri="{FF2B5EF4-FFF2-40B4-BE49-F238E27FC236}">
-                <a16:creationId xmlns:a16="http://schemas.microsoft.com/office/drawing/2014/main" id="{570BEF57-450F-BB3E-402A-E80E1392A372}"/>
+                <a16:creationId xmlns:a16="http://schemas.microsoft.com/office/drawing/2014/main" id="{6C9F5933-AE01-E142-85D3-B75A3CA427FE}"/>
               </a:ext>
             </a:extLst>
           </p:cNvPr>
@@ -12778,8 +13292,8 @@
         </p:nvSpPr>
         <p:spPr>
           <a:xfrm>
-            <a:off x="394010" y="1434790"/>
-            <a:ext cx="8430322" cy="2962158"/>
+            <a:off x="223025" y="1211766"/>
+            <a:ext cx="5285677" cy="3608488"/>
           </a:xfrm>
           <a:prstGeom prst="rect">
             <a:avLst/>
@@ -12805,7 +13319,7 @@
                 <a:latin typeface="Times New Roman" panose="02020603050405020304" pitchFamily="18" charset="0"/>
                 <a:cs typeface="Times New Roman" panose="02020603050405020304" pitchFamily="18" charset="0"/>
               </a:rPr>
-              <a:t>AI provides countless options, and newer systems are constantly being developed, which can increase the variety of data processing options. With the advancement of artificial intelligence (AI), humans are now better able to predict the future than in the past. Because of the ability to digest information more quickly, we may now take on challenging tasks and study data from a variety of perspectives.</a:t>
+              <a:t>AI systems facilitate the control of various aspects of sports during training. For example, a combination of cameras and sensors in tennis games helps measuring speed, spin and placement on a serve. This can then have a direct impact on the strategic decisions taken by coaches and training staff.</a:t>
             </a:r>
           </a:p>
           <a:p>
@@ -12815,19 +13329,61 @@
               </a:lnSpc>
             </a:pPr>
             <a:r>
-              <a:rPr lang="en-IN" dirty="0">
+              <a:rPr lang="en-US" dirty="0">
                 <a:solidFill>
                   <a:schemeClr val="tx2"/>
                 </a:solidFill>
                 <a:latin typeface="Times New Roman" panose="02020603050405020304" pitchFamily="18" charset="0"/>
                 <a:cs typeface="Times New Roman" panose="02020603050405020304" pitchFamily="18" charset="0"/>
               </a:rPr>
-              <a:t>AI technologies are evolving fast and growing increasingly critical for a sporting organisation’s ability to win games; improve coaches and players; manage their operations and grow. However, unless sporting organisations plan, deploy, and govern it correctly, new AI technology will provide meagre benefits at best or, at worst, result in unexpected and undesired outcomes. AI can be helpful for us but in a completely unexpected way because even we cannot pretend what future AI will show us.</a:t>
+              <a:t>Perhaps one of the most relevant applications of AI today. It’s in fact particularly valuable for sports like football, where multiple players are involved and huge investments are made. In this context, AI provides help in selecting players from a much more objective, data-based approach that is based on predictions of potential, overpassing what a human scout could do.</a:t>
             </a:r>
+            <a:endParaRPr lang="en-IN" dirty="0">
+              <a:solidFill>
+                <a:schemeClr val="tx2"/>
+              </a:solidFill>
+              <a:latin typeface="Times New Roman" panose="02020603050405020304" pitchFamily="18" charset="0"/>
+              <a:cs typeface="Times New Roman" panose="02020603050405020304" pitchFamily="18" charset="0"/>
+            </a:endParaRPr>
           </a:p>
         </p:txBody>
       </p:sp>
+      <p:pic>
+        <p:nvPicPr>
+          <p:cNvPr id="5" name="Picture 4">
+            <a:extLst>
+              <a:ext uri="{FF2B5EF4-FFF2-40B4-BE49-F238E27FC236}">
+                <a16:creationId xmlns:a16="http://schemas.microsoft.com/office/drawing/2014/main" id="{65DF3629-770F-9BCB-23A3-2AE602A82E35}"/>
+              </a:ext>
+            </a:extLst>
+          </p:cNvPr>
+          <p:cNvPicPr>
+            <a:picLocks noChangeAspect="1"/>
+          </p:cNvPicPr>
+          <p:nvPr/>
+        </p:nvPicPr>
+        <p:blipFill>
+          <a:blip r:embed="rId2"/>
+          <a:stretch>
+            <a:fillRect/>
+          </a:stretch>
+        </p:blipFill>
+        <p:spPr>
+          <a:xfrm>
+            <a:off x="6229120" y="1577503"/>
+            <a:ext cx="2691855" cy="2877014"/>
+          </a:xfrm>
+          <a:prstGeom prst="rect">
+            <a:avLst/>
+          </a:prstGeom>
+        </p:spPr>
+      </p:pic>
     </p:spTree>
+    <p:extLst>
+      <p:ext uri="{BB962C8B-B14F-4D97-AF65-F5344CB8AC3E}">
+        <p14:creationId xmlns:p14="http://schemas.microsoft.com/office/powerpoint/2010/main" val="1674800747"/>
+      </p:ext>
+    </p:extLst>
   </p:cSld>
   <p:clrMapOvr>
     <a:masterClrMapping/>
@@ -12857,7 +13413,7 @@
           <p:cNvPr id="2" name="Title 1">
             <a:extLst>
               <a:ext uri="{FF2B5EF4-FFF2-40B4-BE49-F238E27FC236}">
-                <a16:creationId xmlns:a16="http://schemas.microsoft.com/office/drawing/2014/main" id="{D1B57CAD-8815-86E7-B509-363441E15729}"/>
+                <a16:creationId xmlns:a16="http://schemas.microsoft.com/office/drawing/2014/main" id="{7FA7D9AE-576A-01C8-72ED-F83C37FCEAAD}"/>
               </a:ext>
             </a:extLst>
           </p:cNvPr>
@@ -12868,40 +13424,136 @@
             <p:ph type="title"/>
           </p:nvPr>
         </p:nvSpPr>
-        <p:spPr>
-          <a:xfrm>
-            <a:off x="720000" y="148682"/>
-            <a:ext cx="7704000" cy="4323751"/>
-          </a:xfrm>
-        </p:spPr>
+        <p:spPr/>
         <p:txBody>
           <a:bodyPr/>
           <a:lstStyle/>
           <a:p>
-            <a:br>
-              <a:rPr lang="en-US" dirty="0"/>
-            </a:br>
-            <a:br>
-              <a:rPr lang="en-US" dirty="0"/>
-            </a:br>
-            <a:br>
-              <a:rPr lang="en-US" dirty="0"/>
-            </a:br>
-            <a:br>
-              <a:rPr lang="en-US" dirty="0"/>
-            </a:br>
             <a:r>
               <a:rPr lang="en-US" dirty="0"/>
-              <a:t>THANKYOU</a:t>
+              <a:t>FUTURE SCOPE OF AI IN SPORTS</a:t>
             </a:r>
             <a:endParaRPr lang="en-IN" dirty="0"/>
+          </a:p>
+        </p:txBody>
+      </p:sp>
+      <p:sp>
+        <p:nvSpPr>
+          <p:cNvPr id="4" name="TextBox 3">
+            <a:extLst>
+              <a:ext uri="{FF2B5EF4-FFF2-40B4-BE49-F238E27FC236}">
+                <a16:creationId xmlns:a16="http://schemas.microsoft.com/office/drawing/2014/main" id="{89EE9AFB-2F46-0B13-0FCA-2504D2C0A9C5}"/>
+              </a:ext>
+            </a:extLst>
+          </p:cNvPr>
+          <p:cNvSpPr txBox="1"/>
+          <p:nvPr/>
+        </p:nvSpPr>
+        <p:spPr>
+          <a:xfrm>
+            <a:off x="252761" y="1427356"/>
+            <a:ext cx="8705385" cy="2962158"/>
+          </a:xfrm>
+          <a:prstGeom prst="rect">
+            <a:avLst/>
+          </a:prstGeom>
+          <a:noFill/>
+        </p:spPr>
+        <p:txBody>
+          <a:bodyPr wrap="square" rtlCol="0">
+            <a:spAutoFit/>
+          </a:bodyPr>
+          <a:lstStyle/>
+          <a:p>
+            <a:pPr>
+              <a:lnSpc>
+                <a:spcPct val="150000"/>
+              </a:lnSpc>
+            </a:pPr>
+            <a:r>
+              <a:rPr lang="en-US" dirty="0">
+                <a:solidFill>
+                  <a:schemeClr val="tx2"/>
+                </a:solidFill>
+                <a:latin typeface="Times New Roman" panose="02020603050405020304" pitchFamily="18" charset="0"/>
+                <a:cs typeface="Times New Roman" panose="02020603050405020304" pitchFamily="18" charset="0"/>
+              </a:rPr>
+              <a:t>AI is changing sports in fundamental ways, from player performance metrics to sport consumer behavior analysis. The use of AI provides coaches and players with a significant advantage over those who rely solely on human expertise.AI can provide sport business executives with richer, real-time insights into the preferences, needs, and behaviors of sport consumers, leading to the creation of tailored and personalized sport </a:t>
+            </a:r>
+            <a:r>
+              <a:rPr lang="en-US" dirty="0" err="1">
+                <a:solidFill>
+                  <a:schemeClr val="tx2"/>
+                </a:solidFill>
+                <a:latin typeface="Times New Roman" panose="02020603050405020304" pitchFamily="18" charset="0"/>
+                <a:cs typeface="Times New Roman" panose="02020603050405020304" pitchFamily="18" charset="0"/>
+              </a:rPr>
+              <a:t>content.While</a:t>
+            </a:r>
+            <a:r>
+              <a:rPr lang="en-US" dirty="0">
+                <a:solidFill>
+                  <a:schemeClr val="tx2"/>
+                </a:solidFill>
+                <a:latin typeface="Times New Roman" panose="02020603050405020304" pitchFamily="18" charset="0"/>
+                <a:cs typeface="Times New Roman" panose="02020603050405020304" pitchFamily="18" charset="0"/>
+              </a:rPr>
+              <a:t> AI is unlikely to completely replace coaches and human specialists, it can be used as a tool to enhance their capabilities and decision-making </a:t>
+            </a:r>
+            <a:r>
+              <a:rPr lang="en-US" dirty="0" err="1">
+                <a:solidFill>
+                  <a:schemeClr val="tx2"/>
+                </a:solidFill>
+                <a:latin typeface="Times New Roman" panose="02020603050405020304" pitchFamily="18" charset="0"/>
+                <a:cs typeface="Times New Roman" panose="02020603050405020304" pitchFamily="18" charset="0"/>
+              </a:rPr>
+              <a:t>processes.The</a:t>
+            </a:r>
+            <a:r>
+              <a:rPr lang="en-US" dirty="0">
+                <a:solidFill>
+                  <a:schemeClr val="tx2"/>
+                </a:solidFill>
+                <a:latin typeface="Times New Roman" panose="02020603050405020304" pitchFamily="18" charset="0"/>
+                <a:cs typeface="Times New Roman" panose="02020603050405020304" pitchFamily="18" charset="0"/>
+              </a:rPr>
+              <a:t> implementation of AI in sports raises important ethical and privacy considerations, particularly around the ownership and confidentiality of league, team, and player-level </a:t>
+            </a:r>
+            <a:r>
+              <a:rPr lang="en-US" dirty="0" err="1">
+                <a:solidFill>
+                  <a:schemeClr val="tx2"/>
+                </a:solidFill>
+                <a:latin typeface="Times New Roman" panose="02020603050405020304" pitchFamily="18" charset="0"/>
+                <a:cs typeface="Times New Roman" panose="02020603050405020304" pitchFamily="18" charset="0"/>
+              </a:rPr>
+              <a:t>data.Ownership</a:t>
+            </a:r>
+            <a:r>
+              <a:rPr lang="en-US" dirty="0">
+                <a:solidFill>
+                  <a:schemeClr val="tx2"/>
+                </a:solidFill>
+                <a:latin typeface="Times New Roman" panose="02020603050405020304" pitchFamily="18" charset="0"/>
+                <a:cs typeface="Times New Roman" panose="02020603050405020304" pitchFamily="18" charset="0"/>
+              </a:rPr>
+              <a:t> and confidentiality of sports data will become increasingly contentious legal issues, leading to potential conflicts in locker rooms and on the playing field. It is important for individuals and organizations to maintain control over the use of their data.</a:t>
+            </a:r>
+            <a:endParaRPr lang="en-IN" dirty="0">
+              <a:solidFill>
+                <a:schemeClr val="tx2"/>
+              </a:solidFill>
+              <a:latin typeface="Times New Roman" panose="02020603050405020304" pitchFamily="18" charset="0"/>
+              <a:cs typeface="Times New Roman" panose="02020603050405020304" pitchFamily="18" charset="0"/>
+            </a:endParaRPr>
           </a:p>
         </p:txBody>
       </p:sp>
     </p:spTree>
     <p:extLst>
       <p:ext uri="{BB962C8B-B14F-4D97-AF65-F5344CB8AC3E}">
-        <p14:creationId xmlns:p14="http://schemas.microsoft.com/office/powerpoint/2010/main" val="1154533858"/>
+        <p14:creationId xmlns:p14="http://schemas.microsoft.com/office/powerpoint/2010/main" val="1971194961"/>
       </p:ext>
     </p:extLst>
   </p:cSld>
